--- a/OctopusDeployFundamentals/Module3-DeploymentProjects/Slides/Module3Class5-LifecyclesAndChannels.pptx
+++ b/OctopusDeployFundamentals/Module3-DeploymentProjects/Slides/Module3Class5-LifecyclesAndChannels.pptx
@@ -1013,6 +1013,33 @@
             <a:pPr marL="158750" indent="0">
               <a:buNone/>
             </a:pPr>
+            <a:endParaRPr lang="en-GB" b="0" dirty="0">
+              <a:solidFill>
+                <a:srgbClr val="D4D4D4"/>
+              </a:solidFill>
+              <a:effectLst/>
+              <a:latin typeface="Consolas" panose="020B0609020204030204" pitchFamily="49" charset="0"/>
+            </a:endParaRPr>
+          </a:p>
+          <a:p>
+            <a:pPr marL="158750" indent="0">
+              <a:buNone/>
+            </a:pPr>
+            <a:r>
+              <a:rPr lang="en-GB" b="0" dirty="0">
+                <a:solidFill>
+                  <a:srgbClr val="D4D4D4"/>
+                </a:solidFill>
+                <a:effectLst/>
+                <a:latin typeface="Consolas" panose="020B0609020204030204" pitchFamily="49" charset="0"/>
+              </a:rPr>
+              <a:t>[CLICK]</a:t>
+            </a:r>
+          </a:p>
+          <a:p>
+            <a:pPr marL="158750" indent="0">
+              <a:buNone/>
+            </a:pPr>
             <a:br>
               <a:rPr lang="en-GB" b="0" dirty="0">
                 <a:solidFill>
@@ -1120,7 +1147,7 @@
                 <a:effectLst/>
                 <a:latin typeface="Consolas" panose="020B0609020204030204" pitchFamily="49" charset="0"/>
               </a:rPr>
-              <a:t>So far, we've only been using two Environments: Development and Production. We specified that Development should come first. By default, Octopus enforces that all Releases must work through the Environments in order. This made sense, up until now.</a:t>
+              <a:t>So far, we've only been using two Environments: Development and Production. We specified that Development should come first. Initially, Octopus uses a Default Lifecycle that ensures no Environments are ever skipped. This made sense, up until now. Releases needed to be deployed to Development, before Production.</a:t>
             </a:r>
           </a:p>
           <a:p>
@@ -1168,27 +1195,7 @@
                 <a:effectLst/>
                 <a:latin typeface="Consolas" panose="020B0609020204030204" pitchFamily="49" charset="0"/>
               </a:rPr>
-              <a:t>Now let's imagine we want to add a third Environment for the </a:t>
-            </a:r>
-            <a:r>
-              <a:rPr lang="en-GB" b="0" dirty="0" err="1">
-                <a:solidFill>
-                  <a:srgbClr val="D4D4D4"/>
-                </a:solidFill>
-                <a:effectLst/>
-                <a:latin typeface="Consolas" panose="020B0609020204030204" pitchFamily="49" charset="0"/>
-              </a:rPr>
-              <a:t>RandomQuotes</a:t>
-            </a:r>
-            <a:r>
-              <a:rPr lang="en-GB" b="0" dirty="0">
-                <a:solidFill>
-                  <a:srgbClr val="D4D4D4"/>
-                </a:solidFill>
-                <a:effectLst/>
-                <a:latin typeface="Consolas" panose="020B0609020204030204" pitchFamily="49" charset="0"/>
-              </a:rPr>
-              <a:t> website for User Acceptance Testing (UAT for short).</a:t>
+              <a:t>Now let's imagine we want to add a third Environment: User Acceptance Testing (or UAT for short).</a:t>
             </a:r>
           </a:p>
           <a:p>
@@ -1282,6 +1289,21 @@
             <a:pPr marL="158750" indent="0">
               <a:buNone/>
             </a:pPr>
+            <a:r>
+              <a:rPr lang="en-GB" b="0" dirty="0">
+                <a:solidFill>
+                  <a:srgbClr val="D4D4D4"/>
+                </a:solidFill>
+                <a:effectLst/>
+                <a:latin typeface="Consolas" panose="020B0609020204030204" pitchFamily="49" charset="0"/>
+              </a:rPr>
+              <a:t>[Fade to Environments page]</a:t>
+            </a:r>
+          </a:p>
+          <a:p>
+            <a:pPr marL="158750" indent="0">
+              <a:buNone/>
+            </a:pPr>
             <a:br>
               <a:rPr lang="en-GB" b="0" dirty="0">
                 <a:solidFill>
@@ -1411,7 +1433,7 @@
                 <a:effectLst/>
                 <a:latin typeface="Consolas" panose="020B0609020204030204" pitchFamily="49" charset="0"/>
               </a:rPr>
-              <a:t>... we can see that this Process uses the "Default Lifecycle", which enforces that Releases must be deployed to Environments in order. Let's create a new Lifecycle, with an optional UAT phase.</a:t>
+              <a:t>... we can see that this Process uses the "Default Lifecycle", which enforces that Releases must be deployed to *all* of the Environments, in order. Let's create a new Lifecycle, with an optional UAT phase.</a:t>
             </a:r>
           </a:p>
           <a:p>
@@ -1739,7 +1761,7 @@
                 <a:effectLst/>
                 <a:latin typeface="Consolas" panose="020B0609020204030204" pitchFamily="49" charset="0"/>
               </a:rPr>
-              <a:t>This Project currently uses the Default Lifecycle. We can change this by clicking "Change".</a:t>
+              <a:t>This Project currently uses the Default Lifecycle. We can change it by clicking "Change".</a:t>
             </a:r>
           </a:p>
           <a:p>
@@ -1787,7 +1809,7 @@
                 <a:effectLst/>
                 <a:latin typeface="Consolas" panose="020B0609020204030204" pitchFamily="49" charset="0"/>
               </a:rPr>
-              <a:t>We can see that the Lifecycle for this project has been updated. Now the team can choose whether or not releases need to be deployed to UAT before Production on a case by case basis.</a:t>
+              <a:t>Now we can see that the Lifecycle for this project has been updated. The team will be able to choose whether or not Releases need to be deployed to UAT on a case by case basis.</a:t>
             </a:r>
           </a:p>
           <a:p>
@@ -1946,7 +1968,61 @@
                 <a:effectLst/>
                 <a:latin typeface="Consolas" panose="020B0609020204030204" pitchFamily="49" charset="0"/>
               </a:rPr>
-              <a:t>Our users want the ability to add filters to the random quote generator, allowing them to pick quotes on certain topics or from different people. The development team has split into two sub-teams, a "filters" sub-team who will work closely with small group of BETA users on the new feature, and a "core" sub-team, who will work on other features and general bug-fixes.</a:t>
+              <a:t>Our users want the ability to add filters to the random quote generator, allowing them to pick quotes on certain topics or from specific people. Meanwhile, the development team has a healthy backlog of smaller updates, optimisations and fixes they’d like to get started on.</a:t>
+            </a:r>
+          </a:p>
+          <a:p>
+            <a:pPr marL="158750" indent="0">
+              <a:buNone/>
+            </a:pPr>
+            <a:endParaRPr lang="en-GB" b="0" dirty="0">
+              <a:solidFill>
+                <a:srgbClr val="D4D4D4"/>
+              </a:solidFill>
+              <a:effectLst/>
+              <a:latin typeface="Consolas" panose="020B0609020204030204" pitchFamily="49" charset="0"/>
+            </a:endParaRPr>
+          </a:p>
+          <a:p>
+            <a:pPr marL="158750" indent="0">
+              <a:buNone/>
+            </a:pPr>
+            <a:r>
+              <a:rPr lang="en-GB" b="0" dirty="0">
+                <a:solidFill>
+                  <a:srgbClr val="D4D4D4"/>
+                </a:solidFill>
+                <a:effectLst/>
+                <a:latin typeface="Consolas" panose="020B0609020204030204" pitchFamily="49" charset="0"/>
+              </a:rPr>
+              <a:t>[CLICK]</a:t>
+            </a:r>
+          </a:p>
+          <a:p>
+            <a:pPr marL="158750" indent="0">
+              <a:buNone/>
+            </a:pPr>
+            <a:endParaRPr lang="en-GB" b="0" dirty="0">
+              <a:solidFill>
+                <a:srgbClr val="D4D4D4"/>
+              </a:solidFill>
+              <a:effectLst/>
+              <a:latin typeface="Consolas" panose="020B0609020204030204" pitchFamily="49" charset="0"/>
+            </a:endParaRPr>
+          </a:p>
+          <a:p>
+            <a:pPr marL="158750" indent="0">
+              <a:buNone/>
+            </a:pPr>
+            <a:r>
+              <a:rPr lang="en-GB" b="0" dirty="0">
+                <a:solidFill>
+                  <a:srgbClr val="D4D4D4"/>
+                </a:solidFill>
+                <a:effectLst/>
+                <a:latin typeface="Consolas" panose="020B0609020204030204" pitchFamily="49" charset="0"/>
+              </a:rPr>
+              <a:t>The team has decided to split into two sub-teams, a "filters" sub-team who will work closely with small group of BETA users on the new feature, and a "core" sub-team, who’ll work on other features and general bug-fixes.</a:t>
             </a:r>
           </a:p>
           <a:p>
@@ -2111,7 +2187,7 @@
                 <a:effectLst/>
                 <a:latin typeface="Consolas" panose="020B0609020204030204" pitchFamily="49" charset="0"/>
               </a:rPr>
-              <a:t>All work associated with the "filters" feature will live on a 'filters' branch, and all other work will live on the 'main' branch.</a:t>
+              <a:t>All work associated with the "filters" feature will live on a 'filters' branch, and all other work will live directly on the 'main' branch. This allows the core sub-team to ship their updates to Development and Production, on their own schedule, without including any unfinished work on the new feature.</a:t>
             </a:r>
           </a:p>
           <a:p>
@@ -2135,7 +2211,7 @@
                 <a:effectLst/>
                 <a:latin typeface="Consolas" panose="020B0609020204030204" pitchFamily="49" charset="0"/>
               </a:rPr>
-              <a:t>Further, the "core" sub-team have decided to embrace Continuous Deployment to the Development Environment. They want all updates to the 'main' branch to be automatically deployed to Development. This will provide rapid feedback if any code updates result in a deployment failure and ensures that the Development Environment will never be more than a couple of minutes behind the latest version from source control.</a:t>
+              <a:t>Further, the "core" sub-team have decided to embrace Continuous Deployment to the Development Environment. They want all updates to the 'main' branch to be automatically deployed. This will provide rapid feedback if any updates result in a deployment failure and ensures that the Development Environment will never be more than a couple of minutes behind the latest version of the main branch in source control.</a:t>
             </a:r>
           </a:p>
           <a:p>
@@ -2567,13 +2643,87 @@
                 <a:effectLst/>
                 <a:latin typeface="Consolas" panose="020B0609020204030204" pitchFamily="49" charset="0"/>
               </a:rPr>
-              <a:t>We can see here that the Default Channel uses the "UAT Optional" Lifecycle. This is the lifecycle that we expect all packages without a pre-release tag to use. However, there's also a "Pre-Release" Channel, which uses the "Pre-Release" Lifecycle.</a:t>
+              <a:t>We can see here that the Default Channel uses the "UAT Optional" Lifecycle. It has a Version Rule that uses a </a:t>
+            </a:r>
+            <a:r>
+              <a:rPr lang="en-GB" b="0" dirty="0" err="1">
+                <a:solidFill>
+                  <a:srgbClr val="D4D4D4"/>
+                </a:solidFill>
+                <a:effectLst/>
+                <a:latin typeface="Consolas" panose="020B0609020204030204" pitchFamily="49" charset="0"/>
+              </a:rPr>
+              <a:t>RegEx</a:t>
+            </a:r>
+            <a:r>
+              <a:rPr lang="en-GB" b="0" dirty="0">
+                <a:solidFill>
+                  <a:srgbClr val="D4D4D4"/>
+                </a:solidFill>
+                <a:effectLst/>
+                <a:latin typeface="Consolas" panose="020B0609020204030204" pitchFamily="49" charset="0"/>
+              </a:rPr>
+              <a:t> to specify that it will only be used for packages without a pre-release tag.</a:t>
             </a:r>
           </a:p>
           <a:p>
             <a:pPr marL="158750" indent="0">
               <a:buNone/>
             </a:pPr>
+            <a:endParaRPr lang="en-GB" b="0" dirty="0">
+              <a:solidFill>
+                <a:srgbClr val="D4D4D4"/>
+              </a:solidFill>
+              <a:effectLst/>
+              <a:latin typeface="Consolas" panose="020B0609020204030204" pitchFamily="49" charset="0"/>
+            </a:endParaRPr>
+          </a:p>
+          <a:p>
+            <a:pPr marL="158750" indent="0">
+              <a:buNone/>
+            </a:pPr>
+            <a:r>
+              <a:rPr lang="en-GB" b="0" dirty="0">
+                <a:solidFill>
+                  <a:srgbClr val="D4D4D4"/>
+                </a:solidFill>
+                <a:effectLst/>
+                <a:latin typeface="Consolas" panose="020B0609020204030204" pitchFamily="49" charset="0"/>
+              </a:rPr>
+              <a:t>There’s also a "Pre-Release" Channel, which uses the "Pre-Release" Lifecycle, and is used for any releases that do have a pre-release task. This should catch any packages from the “filters” branch, as well as any packages for any other non-default branches that may be created in the future.</a:t>
+            </a:r>
+          </a:p>
+          <a:p>
+            <a:pPr marL="158750" indent="0">
+              <a:buNone/>
+            </a:pPr>
+            <a:endParaRPr lang="en-GB" b="0" dirty="0">
+              <a:solidFill>
+                <a:srgbClr val="D4D4D4"/>
+              </a:solidFill>
+              <a:effectLst/>
+              <a:latin typeface="Consolas" panose="020B0609020204030204" pitchFamily="49" charset="0"/>
+            </a:endParaRPr>
+          </a:p>
+          <a:p>
+            <a:pPr marL="158750" indent="0">
+              <a:buNone/>
+            </a:pPr>
+            <a:r>
+              <a:rPr lang="en-GB" b="0" dirty="0">
+                <a:solidFill>
+                  <a:srgbClr val="D4D4D4"/>
+                </a:solidFill>
+                <a:effectLst/>
+                <a:latin typeface="Consolas" panose="020B0609020204030204" pitchFamily="49" charset="0"/>
+              </a:rPr>
+              <a:t>Let’s take a closer look at how those Version Rules were configured.</a:t>
+            </a:r>
+          </a:p>
+          <a:p>
+            <a:pPr marL="158750" indent="0">
+              <a:buNone/>
+            </a:pPr>
             <a:br>
               <a:rPr lang="en-GB" b="0" dirty="0">
                 <a:solidFill>
@@ -2591,13 +2741,40 @@
                 <a:effectLst/>
                 <a:latin typeface="Consolas" panose="020B0609020204030204" pitchFamily="49" charset="0"/>
               </a:rPr>
-              <a:t>[Click on Pre-Release Channel]</a:t>
+              <a:t>[Click on Pre-Release Channel, expand everything]</a:t>
             </a:r>
           </a:p>
           <a:p>
             <a:pPr marL="158750" indent="0">
               <a:buNone/>
             </a:pPr>
+            <a:endParaRPr lang="en-GB" b="0" dirty="0">
+              <a:solidFill>
+                <a:srgbClr val="D4D4D4"/>
+              </a:solidFill>
+              <a:effectLst/>
+              <a:latin typeface="Consolas" panose="020B0609020204030204" pitchFamily="49" charset="0"/>
+            </a:endParaRPr>
+          </a:p>
+          <a:p>
+            <a:pPr marL="158750" indent="0">
+              <a:buNone/>
+            </a:pPr>
+            <a:r>
+              <a:rPr lang="en-GB" b="0" dirty="0">
+                <a:solidFill>
+                  <a:srgbClr val="D4D4D4"/>
+                </a:solidFill>
+                <a:effectLst/>
+                <a:latin typeface="Consolas" panose="020B0609020204030204" pitchFamily="49" charset="0"/>
+              </a:rPr>
+              <a:t>For the Version Rule, we need to specify the package step from which to base our version rules. We only have a single Process Step that uses a Package, so we need to select that.</a:t>
+            </a:r>
+          </a:p>
+          <a:p>
+            <a:pPr marL="158750" indent="0">
+              <a:buNone/>
+            </a:pPr>
             <a:br>
               <a:rPr lang="en-GB" b="0" dirty="0">
                 <a:solidFill>
@@ -2615,7 +2792,34 @@
                 <a:effectLst/>
                 <a:latin typeface="Consolas" panose="020B0609020204030204" pitchFamily="49" charset="0"/>
               </a:rPr>
-              <a:t>The "Pre-Release" Channel uses a Version Rule for any Releases that contain a Package for </a:t>
+              <a:t>[Remove and re-add the package step]</a:t>
+            </a:r>
+          </a:p>
+          <a:p>
+            <a:pPr marL="158750" indent="0">
+              <a:buNone/>
+            </a:pPr>
+            <a:endParaRPr lang="en-GB" b="0" dirty="0">
+              <a:solidFill>
+                <a:srgbClr val="D4D4D4"/>
+              </a:solidFill>
+              <a:effectLst/>
+              <a:latin typeface="Consolas" panose="020B0609020204030204" pitchFamily="49" charset="0"/>
+            </a:endParaRPr>
+          </a:p>
+          <a:p>
+            <a:pPr marL="158750" indent="0">
+              <a:buNone/>
+            </a:pPr>
+            <a:r>
+              <a:rPr lang="en-GB" b="0" dirty="0">
+                <a:solidFill>
+                  <a:srgbClr val="D4D4D4"/>
+                </a:solidFill>
+                <a:effectLst/>
+                <a:latin typeface="Consolas" panose="020B0609020204030204" pitchFamily="49" charset="0"/>
+              </a:rPr>
+              <a:t>You can define a version rule using either </a:t>
             </a:r>
             <a:r>
               <a:rPr lang="en-GB" b="0" dirty="0" err="1">
@@ -2625,23 +2829,207 @@
                 <a:effectLst/>
                 <a:latin typeface="Consolas" panose="020B0609020204030204" pitchFamily="49" charset="0"/>
               </a:rPr>
-              <a:t>RandomQuotes</a:t>
-            </a:r>
-            <a:r>
-              <a:rPr lang="en-GB" b="0" dirty="0">
-                <a:solidFill>
-                  <a:srgbClr val="D4D4D4"/>
-                </a:solidFill>
-                <a:effectLst/>
-                <a:latin typeface="Consolas" panose="020B0609020204030204" pitchFamily="49" charset="0"/>
-              </a:rPr>
-              <a:t> website with a version number that has a Pre-Release tag. The intention is to catch any updates to non-default source control branches. For now, that's just the "filters" branch, but in the future the team may use branches for other purposes.</a:t>
+              <a:t>Mavern</a:t>
+            </a:r>
+            <a:r>
+              <a:rPr lang="en-GB" b="0" dirty="0">
+                <a:solidFill>
+                  <a:srgbClr val="D4D4D4"/>
+                </a:solidFill>
+                <a:effectLst/>
+                <a:latin typeface="Consolas" panose="020B0609020204030204" pitchFamily="49" charset="0"/>
+              </a:rPr>
+              <a:t> or NuGet syntax to specify specific </a:t>
+            </a:r>
+            <a:r>
+              <a:rPr lang="en-GB" b="0" dirty="0" err="1">
+                <a:solidFill>
+                  <a:srgbClr val="D4D4D4"/>
+                </a:solidFill>
+                <a:effectLst/>
+                <a:latin typeface="Consolas" panose="020B0609020204030204" pitchFamily="49" charset="0"/>
+              </a:rPr>
+              <a:t>SemVer</a:t>
+            </a:r>
+            <a:r>
+              <a:rPr lang="en-GB" b="0" dirty="0">
+                <a:solidFill>
+                  <a:srgbClr val="D4D4D4"/>
+                </a:solidFill>
+                <a:effectLst/>
+                <a:latin typeface="Consolas" panose="020B0609020204030204" pitchFamily="49" charset="0"/>
+              </a:rPr>
+              <a:t> numerical ranges. </a:t>
             </a:r>
           </a:p>
           <a:p>
             <a:pPr marL="158750" indent="0">
               <a:buNone/>
             </a:pPr>
+            <a:endParaRPr lang="en-GB" b="0" dirty="0">
+              <a:solidFill>
+                <a:srgbClr val="D4D4D4"/>
+              </a:solidFill>
+              <a:effectLst/>
+              <a:latin typeface="Consolas" panose="020B0609020204030204" pitchFamily="49" charset="0"/>
+            </a:endParaRPr>
+          </a:p>
+          <a:p>
+            <a:pPr marL="158750" indent="0">
+              <a:buNone/>
+            </a:pPr>
+            <a:r>
+              <a:rPr lang="en-GB" b="0" dirty="0">
+                <a:solidFill>
+                  <a:srgbClr val="D4D4D4"/>
+                </a:solidFill>
+                <a:effectLst/>
+                <a:latin typeface="Consolas" panose="020B0609020204030204" pitchFamily="49" charset="0"/>
+              </a:rPr>
+              <a:t>[Click on Version Range]</a:t>
+            </a:r>
+          </a:p>
+          <a:p>
+            <a:pPr marL="158750" indent="0">
+              <a:buNone/>
+            </a:pPr>
+            <a:endParaRPr lang="en-GB" b="0" dirty="0">
+              <a:solidFill>
+                <a:srgbClr val="D4D4D4"/>
+              </a:solidFill>
+              <a:effectLst/>
+              <a:latin typeface="Consolas" panose="020B0609020204030204" pitchFamily="49" charset="0"/>
+            </a:endParaRPr>
+          </a:p>
+          <a:p>
+            <a:pPr marL="158750" marR="0" lvl="0" indent="0" algn="l" defTabSz="914400" rtl="0" eaLnBrk="1" fontAlgn="auto" latinLnBrk="0" hangingPunct="1">
+              <a:lnSpc>
+                <a:spcPct val="100000"/>
+              </a:lnSpc>
+              <a:spcBef>
+                <a:spcPts val="0"/>
+              </a:spcBef>
+              <a:spcAft>
+                <a:spcPts val="0"/>
+              </a:spcAft>
+              <a:buClr>
+                <a:srgbClr val="000000"/>
+              </a:buClr>
+              <a:buSzPts val="1100"/>
+              <a:buFont typeface="Arial"/>
+              <a:buNone/>
+              <a:tabLst/>
+              <a:defRPr/>
+            </a:pPr>
+            <a:r>
+              <a:rPr lang="en-GB" b="0" dirty="0">
+                <a:solidFill>
+                  <a:srgbClr val="D4D4D4"/>
+                </a:solidFill>
+                <a:effectLst/>
+                <a:latin typeface="Consolas" panose="020B0609020204030204" pitchFamily="49" charset="0"/>
+              </a:rPr>
+              <a:t>We aren’t filtering based on numbers, so we’ll leave that blank.</a:t>
+            </a:r>
+          </a:p>
+          <a:p>
+            <a:pPr marL="158750" indent="0">
+              <a:buNone/>
+            </a:pPr>
+            <a:endParaRPr lang="en-GB" b="0" dirty="0">
+              <a:solidFill>
+                <a:srgbClr val="D4D4D4"/>
+              </a:solidFill>
+              <a:effectLst/>
+              <a:latin typeface="Consolas" panose="020B0609020204030204" pitchFamily="49" charset="0"/>
+            </a:endParaRPr>
+          </a:p>
+          <a:p>
+            <a:pPr marL="158750" indent="0">
+              <a:buNone/>
+            </a:pPr>
+            <a:r>
+              <a:rPr lang="en-GB" b="0" dirty="0">
+                <a:solidFill>
+                  <a:srgbClr val="D4D4D4"/>
+                </a:solidFill>
+                <a:effectLst/>
+                <a:latin typeface="Consolas" panose="020B0609020204030204" pitchFamily="49" charset="0"/>
+              </a:rPr>
+              <a:t>[Click on the </a:t>
+            </a:r>
+            <a:r>
+              <a:rPr lang="en-GB" b="0" dirty="0" err="1">
+                <a:solidFill>
+                  <a:srgbClr val="D4D4D4"/>
+                </a:solidFill>
+                <a:effectLst/>
+                <a:latin typeface="Consolas" panose="020B0609020204030204" pitchFamily="49" charset="0"/>
+              </a:rPr>
+              <a:t>RegEx</a:t>
+            </a:r>
+            <a:r>
+              <a:rPr lang="en-GB" b="0" dirty="0">
+                <a:solidFill>
+                  <a:srgbClr val="D4D4D4"/>
+                </a:solidFill>
+                <a:effectLst/>
+                <a:latin typeface="Consolas" panose="020B0609020204030204" pitchFamily="49" charset="0"/>
+              </a:rPr>
+              <a:t> for Pre-release tags]</a:t>
+            </a:r>
+          </a:p>
+          <a:p>
+            <a:pPr marL="158750" indent="0">
+              <a:buNone/>
+            </a:pPr>
+            <a:endParaRPr lang="en-GB" b="0" dirty="0">
+              <a:solidFill>
+                <a:srgbClr val="D4D4D4"/>
+              </a:solidFill>
+              <a:effectLst/>
+              <a:latin typeface="Consolas" panose="020B0609020204030204" pitchFamily="49" charset="0"/>
+            </a:endParaRPr>
+          </a:p>
+          <a:p>
+            <a:pPr marL="158750" indent="0">
+              <a:buNone/>
+            </a:pPr>
+            <a:r>
+              <a:rPr lang="en-GB" b="0" dirty="0">
+                <a:solidFill>
+                  <a:srgbClr val="D4D4D4"/>
+                </a:solidFill>
+                <a:effectLst/>
+                <a:latin typeface="Consolas" panose="020B0609020204030204" pitchFamily="49" charset="0"/>
+              </a:rPr>
+              <a:t>Instead, we’ve used a </a:t>
+            </a:r>
+            <a:r>
+              <a:rPr lang="en-GB" b="0" dirty="0" err="1">
+                <a:solidFill>
+                  <a:srgbClr val="D4D4D4"/>
+                </a:solidFill>
+                <a:effectLst/>
+                <a:latin typeface="Consolas" panose="020B0609020204030204" pitchFamily="49" charset="0"/>
+              </a:rPr>
+              <a:t>RegEx</a:t>
+            </a:r>
+            <a:r>
+              <a:rPr lang="en-GB" b="0" dirty="0">
+                <a:solidFill>
+                  <a:srgbClr val="D4D4D4"/>
+                </a:solidFill>
+                <a:effectLst/>
+                <a:latin typeface="Consolas" panose="020B0609020204030204" pitchFamily="49" charset="0"/>
+              </a:rPr>
+              <a:t> to specify which pre-release tags to include or exclude. There are some examples in the documentation ...</a:t>
+            </a:r>
+          </a:p>
+          <a:p>
+            <a:pPr marL="158750" indent="0">
+              <a:buNone/>
+            </a:pPr>
             <a:br>
               <a:rPr lang="en-GB" b="0" dirty="0">
                 <a:solidFill>
@@ -2659,7 +3047,7 @@
                 <a:effectLst/>
                 <a:latin typeface="Consolas" panose="020B0609020204030204" pitchFamily="49" charset="0"/>
               </a:rPr>
-              <a:t>[Click on "Version Rule 1"]</a:t>
+              <a:t>[Click documentation and scroll to examples]</a:t>
             </a:r>
           </a:p>
           <a:p>
@@ -2683,7 +3071,34 @@
                 <a:effectLst/>
                 <a:latin typeface="Consolas" panose="020B0609020204030204" pitchFamily="49" charset="0"/>
               </a:rPr>
-              <a:t>You can use either </a:t>
+              <a:t>... And we’ve used the example to select any and all pre-release tags.</a:t>
+            </a:r>
+          </a:p>
+          <a:p>
+            <a:pPr marL="158750" indent="0">
+              <a:buNone/>
+            </a:pPr>
+            <a:endParaRPr lang="en-GB" b="0" dirty="0">
+              <a:solidFill>
+                <a:srgbClr val="D4D4D4"/>
+              </a:solidFill>
+              <a:effectLst/>
+              <a:latin typeface="Consolas" panose="020B0609020204030204" pitchFamily="49" charset="0"/>
+            </a:endParaRPr>
+          </a:p>
+          <a:p>
+            <a:pPr marL="158750" indent="0">
+              <a:buNone/>
+            </a:pPr>
+            <a:r>
+              <a:rPr lang="en-GB" b="0" dirty="0">
+                <a:solidFill>
+                  <a:srgbClr val="D4D4D4"/>
+                </a:solidFill>
+                <a:effectLst/>
+                <a:latin typeface="Consolas" panose="020B0609020204030204" pitchFamily="49" charset="0"/>
+              </a:rPr>
+              <a:t>[Highlight the syntax for all </a:t>
             </a:r>
             <a:r>
               <a:rPr lang="en-GB" b="0" dirty="0" err="1">
@@ -2693,23 +3108,50 @@
                 <a:effectLst/>
                 <a:latin typeface="Consolas" panose="020B0609020204030204" pitchFamily="49" charset="0"/>
               </a:rPr>
-              <a:t>Mavern</a:t>
-            </a:r>
-            <a:r>
-              <a:rPr lang="en-GB" b="0" dirty="0">
-                <a:solidFill>
-                  <a:srgbClr val="D4D4D4"/>
-                </a:solidFill>
-                <a:effectLst/>
-                <a:latin typeface="Consolas" panose="020B0609020204030204" pitchFamily="49" charset="0"/>
-              </a:rPr>
-              <a:t> or NuGet syntax for these rules. There are some examples in the documentation ...</a:t>
+              <a:t>prerelease</a:t>
+            </a:r>
+            <a:r>
+              <a:rPr lang="en-GB" b="0" dirty="0">
+                <a:solidFill>
+                  <a:srgbClr val="D4D4D4"/>
+                </a:solidFill>
+                <a:effectLst/>
+                <a:latin typeface="Consolas" panose="020B0609020204030204" pitchFamily="49" charset="0"/>
+              </a:rPr>
+              <a:t> tags]</a:t>
             </a:r>
           </a:p>
           <a:p>
             <a:pPr marL="158750" indent="0">
               <a:buNone/>
             </a:pPr>
+            <a:endParaRPr lang="en-GB" b="0" dirty="0">
+              <a:solidFill>
+                <a:srgbClr val="D4D4D4"/>
+              </a:solidFill>
+              <a:effectLst/>
+              <a:latin typeface="Consolas" panose="020B0609020204030204" pitchFamily="49" charset="0"/>
+            </a:endParaRPr>
+          </a:p>
+          <a:p>
+            <a:pPr marL="158750" indent="0">
+              <a:buNone/>
+            </a:pPr>
+            <a:r>
+              <a:rPr lang="en-GB" b="0" dirty="0">
+                <a:solidFill>
+                  <a:srgbClr val="D4D4D4"/>
+                </a:solidFill>
+                <a:effectLst/>
+                <a:latin typeface="Consolas" panose="020B0609020204030204" pitchFamily="49" charset="0"/>
+              </a:rPr>
+              <a:t>Since the syntax can be a little confusing, Octopus provides a handy "Design Rule" wizard to check your version patterns.</a:t>
+            </a:r>
+          </a:p>
+          <a:p>
+            <a:pPr marL="158750" indent="0">
+              <a:buNone/>
+            </a:pPr>
             <a:br>
               <a:rPr lang="en-GB" b="0" dirty="0">
                 <a:solidFill>
@@ -2727,7 +3169,7 @@
                 <a:effectLst/>
                 <a:latin typeface="Consolas" panose="020B0609020204030204" pitchFamily="49" charset="0"/>
               </a:rPr>
-              <a:t>[Click documentation and scroll to examples]</a:t>
+              <a:t>[Go back to Octopus, Open the Design Rule tool]</a:t>
             </a:r>
           </a:p>
           <a:p>
@@ -2751,7 +3193,7 @@
                 <a:effectLst/>
                 <a:latin typeface="Consolas" panose="020B0609020204030204" pitchFamily="49" charset="0"/>
               </a:rPr>
-              <a:t>... but since the syntax can be a little confusing, Octopus provides a handy "Design Rule" wizard to check your version patterns.</a:t>
+              <a:t>You can check your syntax against various test cases, to ensure that you've configured it correctly.</a:t>
             </a:r>
           </a:p>
           <a:p>
@@ -2775,55 +3217,57 @@
                 <a:effectLst/>
                 <a:latin typeface="Consolas" panose="020B0609020204030204" pitchFamily="49" charset="0"/>
               </a:rPr>
-              <a:t>[Go back to Octopus, Open the Design Rule tool]</a:t>
+              <a:t>[Type in a few more examples and change the rule. Once done, cancel out of it.]</a:t>
             </a:r>
           </a:p>
           <a:p>
             <a:pPr marL="158750" indent="0">
               <a:buNone/>
             </a:pPr>
-            <a:br>
-              <a:rPr lang="en-GB" b="0" dirty="0">
-                <a:solidFill>
-                  <a:srgbClr val="D4D4D4"/>
-                </a:solidFill>
-                <a:effectLst/>
-                <a:latin typeface="Consolas" panose="020B0609020204030204" pitchFamily="49" charset="0"/>
-              </a:rPr>
-            </a:br>
-            <a:r>
-              <a:rPr lang="en-GB" b="0" dirty="0">
-                <a:solidFill>
-                  <a:srgbClr val="D4D4D4"/>
-                </a:solidFill>
-                <a:effectLst/>
-                <a:latin typeface="Consolas" panose="020B0609020204030204" pitchFamily="49" charset="0"/>
-              </a:rPr>
-              <a:t>You can check your syntax against various test cases, to ensure that you've configured it correctly.</a:t>
+            <a:r>
+              <a:rPr lang="en-GB" b="0" dirty="0">
+                <a:solidFill>
+                  <a:srgbClr val="D4D4D4"/>
+                </a:solidFill>
+                <a:effectLst/>
+                <a:latin typeface="Consolas" panose="020B0609020204030204" pitchFamily="49" charset="0"/>
+              </a:rPr>
+              <a:t>[For version rule: (0.1.3,1.2] ]</a:t>
             </a:r>
           </a:p>
           <a:p>
             <a:pPr marL="158750" indent="0">
               <a:buNone/>
             </a:pPr>
-            <a:br>
-              <a:rPr lang="en-GB" b="0" dirty="0">
-                <a:solidFill>
-                  <a:srgbClr val="D4D4D4"/>
-                </a:solidFill>
-                <a:effectLst/>
-                <a:latin typeface="Consolas" panose="020B0609020204030204" pitchFamily="49" charset="0"/>
-              </a:rPr>
-            </a:br>
-            <a:r>
-              <a:rPr lang="en-GB" b="0" dirty="0">
-                <a:solidFill>
-                  <a:srgbClr val="D4D4D4"/>
-                </a:solidFill>
-                <a:effectLst/>
-                <a:latin typeface="Consolas" panose="020B0609020204030204" pitchFamily="49" charset="0"/>
-              </a:rPr>
-              <a:t>[Type in a few more examples and change the rule. Once done, cancel out of it.]</a:t>
+            <a:r>
+              <a:rPr lang="en-GB" b="0" dirty="0">
+                <a:solidFill>
+                  <a:srgbClr val="D4D4D4"/>
+                </a:solidFill>
+                <a:effectLst/>
+                <a:latin typeface="Consolas" panose="020B0609020204030204" pitchFamily="49" charset="0"/>
+              </a:rPr>
+              <a:t>[For Sample Example, add: 0.0-anothertag, then CTRL-X the pre-release tag, type in “filters”, then remove it and paste back the original </a:t>
+            </a:r>
+            <a:r>
+              <a:rPr lang="en-GB" b="0" dirty="0" err="1">
+                <a:solidFill>
+                  <a:srgbClr val="D4D4D4"/>
+                </a:solidFill>
+                <a:effectLst/>
+                <a:latin typeface="Consolas" panose="020B0609020204030204" pitchFamily="49" charset="0"/>
+              </a:rPr>
+              <a:t>RegEx</a:t>
+            </a:r>
+            <a:r>
+              <a:rPr lang="en-GB" b="0" dirty="0">
+                <a:solidFill>
+                  <a:srgbClr val="D4D4D4"/>
+                </a:solidFill>
+                <a:effectLst/>
+                <a:latin typeface="Consolas" panose="020B0609020204030204" pitchFamily="49" charset="0"/>
+              </a:rPr>
+              <a:t>]</a:t>
             </a:r>
           </a:p>
           <a:p>
@@ -3091,27 +3535,7 @@
                 <a:effectLst/>
                 <a:latin typeface="Consolas" panose="020B0609020204030204" pitchFamily="49" charset="0"/>
               </a:rPr>
-              <a:t>[Also use Channels for] And finally, you should be aware that you can do a lot more with Channels than toggle between different Lifecycles. They can also be used for customizing the Deployment Process, providing alternative values for Variables or, if you’ve set-up multi-tenancy, specifying which Tenants different releases should be deployed to. This could be useful, for example, perhaps you only want to release BETA updates </a:t>
-            </a:r>
-            <a:r>
-              <a:rPr lang="en-GB" b="0">
-                <a:solidFill>
-                  <a:srgbClr val="D4D4D4"/>
-                </a:solidFill>
-                <a:effectLst/>
-                <a:latin typeface="Consolas" panose="020B0609020204030204" pitchFamily="49" charset="0"/>
-              </a:rPr>
-              <a:t>to Tenants </a:t>
-            </a:r>
-            <a:r>
-              <a:rPr lang="en-GB" b="0" dirty="0">
-                <a:solidFill>
-                  <a:srgbClr val="D4D4D4"/>
-                </a:solidFill>
-                <a:effectLst/>
-                <a:latin typeface="Consolas" panose="020B0609020204030204" pitchFamily="49" charset="0"/>
-              </a:rPr>
-              <a:t>with an “Early Access” flag. To learn more about these other use-cases, or to learn about Tenants, check out the additional resources associated with this module.</a:t>
+              <a:t>[Also use Channels for] And finally, you should be aware that you can do a lot more with Channels than toggle between different Lifecycles. They can also be used for customizing the Deployment Process, providing alternative values for Variables or, if you’ve set-up multi-tenancy, specifying which Tenants different releases should be deployed to. For example, perhaps you only want to release BETA updates to Tenants with an “Early Access” flag. To learn more about these other use-cases, or to learn about Tenants, check out the additional resources associated with this module.</a:t>
             </a:r>
           </a:p>
           <a:p>
@@ -7932,13 +8356,13 @@
   <p:clrMapOvr>
     <a:masterClrMapping/>
   </p:clrMapOvr>
-  <mc:AlternateContent xmlns:mc="http://schemas.openxmlformats.org/markup-compatibility/2006" xmlns:p14="http://schemas.microsoft.com/office/powerpoint/2010/main">
-    <mc:Choice Requires="p14">
+  <mc:AlternateContent xmlns:mc="http://schemas.openxmlformats.org/markup-compatibility/2006">
+    <mc:Choice xmlns:p14="http://schemas.microsoft.com/office/powerpoint/2010/main" Requires="p14">
       <p:transition spd="med" p14:dur="700">
         <p:fade/>
       </p:transition>
     </mc:Choice>
-    <mc:Fallback xmlns="">
+    <mc:Fallback>
       <p:transition spd="med">
         <p:fade/>
       </p:transition>
@@ -8066,13 +8490,13 @@
   <p:clrMapOvr>
     <a:masterClrMapping/>
   </p:clrMapOvr>
-  <mc:AlternateContent xmlns:mc="http://schemas.openxmlformats.org/markup-compatibility/2006" xmlns:p14="http://schemas.microsoft.com/office/powerpoint/2010/main">
-    <mc:Choice Requires="p14">
+  <mc:AlternateContent xmlns:mc="http://schemas.openxmlformats.org/markup-compatibility/2006">
+    <mc:Choice xmlns:p14="http://schemas.microsoft.com/office/powerpoint/2010/main" Requires="p14">
       <p:transition spd="med" p14:dur="700">
         <p:fade/>
       </p:transition>
     </mc:Choice>
-    <mc:Fallback xmlns="">
+    <mc:Fallback>
       <p:transition spd="med">
         <p:fade/>
       </p:transition>
@@ -8090,6 +8514,9 @@
                     <p:cTn id="3" fill="hold">
                       <p:stCondLst>
                         <p:cond delay="indefinite"/>
+                        <p:cond evt="onBegin" delay="0">
+                          <p:tn val="2"/>
+                        </p:cond>
                       </p:stCondLst>
                       <p:childTnLst>
                         <p:par>
@@ -8099,7 +8526,7 @@
                             </p:stCondLst>
                             <p:childTnLst>
                               <p:par>
-                                <p:cTn id="5" presetID="10" presetClass="entr" presetSubtype="0" fill="hold" nodeType="clickEffect">
+                                <p:cTn id="5" presetID="10" presetClass="entr" presetSubtype="0" fill="hold" nodeType="withEffect">
                                   <p:stCondLst>
                                     <p:cond delay="0"/>
                                   </p:stCondLst>
@@ -8333,13 +8760,13 @@
   <p:clrMapOvr>
     <a:masterClrMapping/>
   </p:clrMapOvr>
-  <mc:AlternateContent xmlns:mc="http://schemas.openxmlformats.org/markup-compatibility/2006" xmlns:p14="http://schemas.microsoft.com/office/powerpoint/2010/main">
-    <mc:Choice Requires="p14">
+  <mc:AlternateContent xmlns:mc="http://schemas.openxmlformats.org/markup-compatibility/2006">
+    <mc:Choice xmlns:p14="http://schemas.microsoft.com/office/powerpoint/2010/main" Requires="p14">
       <p:transition spd="med" p14:dur="700">
         <p:fade/>
       </p:transition>
     </mc:Choice>
-    <mc:Fallback xmlns="">
+    <mc:Fallback>
       <p:transition spd="med">
         <p:fade/>
       </p:transition>
@@ -8496,13 +8923,13 @@
   <p:clrMapOvr>
     <a:masterClrMapping/>
   </p:clrMapOvr>
-  <mc:AlternateContent xmlns:mc="http://schemas.openxmlformats.org/markup-compatibility/2006" xmlns:p14="http://schemas.microsoft.com/office/powerpoint/2010/main">
-    <mc:Choice Requires="p14">
+  <mc:AlternateContent xmlns:mc="http://schemas.openxmlformats.org/markup-compatibility/2006">
+    <mc:Choice xmlns:p14="http://schemas.microsoft.com/office/powerpoint/2010/main" Requires="p14">
       <p:transition spd="med" p14:dur="700">
         <p:fade/>
       </p:transition>
     </mc:Choice>
-    <mc:Fallback xmlns="">
+    <mc:Fallback>
       <p:transition spd="med">
         <p:fade/>
       </p:transition>
@@ -9159,13 +9586,13 @@
   <p:clrMapOvr>
     <a:masterClrMapping/>
   </p:clrMapOvr>
-  <mc:AlternateContent xmlns:mc="http://schemas.openxmlformats.org/markup-compatibility/2006" xmlns:p14="http://schemas.microsoft.com/office/powerpoint/2010/main">
-    <mc:Choice Requires="p14">
+  <mc:AlternateContent xmlns:mc="http://schemas.openxmlformats.org/markup-compatibility/2006">
+    <mc:Choice xmlns:p14="http://schemas.microsoft.com/office/powerpoint/2010/main" Requires="p14">
       <p:transition spd="med" p14:dur="700">
         <p:fade/>
       </p:transition>
     </mc:Choice>
-    <mc:Fallback xmlns="">
+    <mc:Fallback>
       <p:transition spd="med">
         <p:fade/>
       </p:transition>
@@ -10050,6 +10477,18 @@
   <p:clrMapOvr>
     <a:masterClrMapping/>
   </p:clrMapOvr>
+  <mc:AlternateContent xmlns:mc="http://schemas.openxmlformats.org/markup-compatibility/2006">
+    <mc:Choice xmlns:p14="http://schemas.microsoft.com/office/powerpoint/2010/main" Requires="p14">
+      <p:transition spd="med" p14:dur="700">
+        <p:fade/>
+      </p:transition>
+    </mc:Choice>
+    <mc:Fallback>
+      <p:transition spd="med">
+        <p:fade/>
+      </p:transition>
+    </mc:Fallback>
+  </mc:AlternateContent>
   <p:timing>
     <p:tnLst>
       <p:par>
@@ -10342,13 +10781,13 @@
   <p:clrMapOvr>
     <a:masterClrMapping/>
   </p:clrMapOvr>
-  <mc:AlternateContent xmlns:mc="http://schemas.openxmlformats.org/markup-compatibility/2006" xmlns:p14="http://schemas.microsoft.com/office/powerpoint/2010/main">
-    <mc:Choice Requires="p14">
+  <mc:AlternateContent xmlns:mc="http://schemas.openxmlformats.org/markup-compatibility/2006">
+    <mc:Choice xmlns:p14="http://schemas.microsoft.com/office/powerpoint/2010/main" Requires="p14">
       <p:transition spd="med" p14:dur="700">
         <p:fade/>
       </p:transition>
     </mc:Choice>
-    <mc:Fallback xmlns="">
+    <mc:Fallback>
       <p:transition spd="med">
         <p:fade/>
       </p:transition>
@@ -10476,13 +10915,13 @@
   <p:clrMapOvr>
     <a:masterClrMapping/>
   </p:clrMapOvr>
-  <mc:AlternateContent xmlns:mc="http://schemas.openxmlformats.org/markup-compatibility/2006" xmlns:p14="http://schemas.microsoft.com/office/powerpoint/2010/main">
-    <mc:Choice Requires="p14">
+  <mc:AlternateContent xmlns:mc="http://schemas.openxmlformats.org/markup-compatibility/2006">
+    <mc:Choice xmlns:p14="http://schemas.microsoft.com/office/powerpoint/2010/main" Requires="p14">
       <p:transition spd="med" p14:dur="700">
         <p:fade/>
       </p:transition>
     </mc:Choice>
-    <mc:Fallback xmlns="">
+    <mc:Fallback>
       <p:transition spd="med">
         <p:fade/>
       </p:transition>
